--- a/fig/fig.pptx
+++ b/fig/fig.pptx
@@ -108,6 +108,11 @@
       </a:defRPr>
     </a:lvl9pPr>
   </p:defaultTextStyle>
+  <p:extLst>
+    <p:ext uri="{EFAFB233-063F-42B5-8137-9DF3F51BA10A}">
+      <p15:sldGuideLst xmlns:p15="http://schemas.microsoft.com/office/powerpoint/2012/main"/>
+    </p:ext>
+  </p:extLst>
 </p:presentation>
 </file>
 
@@ -4036,6 +4041,30 @@
           <a:chExt cx="0" cy="0"/>
         </a:xfrm>
       </p:grpSpPr>
+      <p:pic>
+        <p:nvPicPr>
+          <p:cNvPr id="2" name="图片 1"/>
+          <p:cNvPicPr>
+            <a:picLocks noChangeAspect="1"/>
+          </p:cNvPicPr>
+          <p:nvPr/>
+        </p:nvPicPr>
+        <p:blipFill>
+          <a:blip r:embed="rId2"/>
+          <a:stretch>
+            <a:fillRect/>
+          </a:stretch>
+        </p:blipFill>
+        <p:spPr>
+          <a:xfrm>
+            <a:off x="2571750" y="1266825"/>
+            <a:ext cx="7048500" cy="4324350"/>
+          </a:xfrm>
+          <a:prstGeom prst="rect">
+            <a:avLst/>
+          </a:prstGeom>
+        </p:spPr>
+      </p:pic>
     </p:spTree>
     <p:extLst>
       <p:ext uri="{BB962C8B-B14F-4D97-AF65-F5344CB8AC3E}">

--- a/fig/fig.pptx
+++ b/fig/fig.pptx
@@ -10,6 +10,10 @@
     <p:sldId id="257" r:id="rId4"/>
     <p:sldId id="258" r:id="rId5"/>
     <p:sldId id="259" r:id="rId6"/>
+    <p:sldId id="261" r:id="rId7"/>
+    <p:sldId id="262" r:id="rId8"/>
+    <p:sldId id="263" r:id="rId9"/>
+    <p:sldId id="264" r:id="rId10"/>
   </p:sldIdLst>
   <p:sldSz cx="12192000" cy="6858000"/>
   <p:notesSz cx="6858000" cy="9144000"/>
@@ -247,7 +251,7 @@
           <a:p>
             <a:fld id="{998D148A-8A7C-4810-9B27-639E251EDC4D}" type="datetimeFigureOut">
               <a:rPr lang="de-DE" smtClean="0"/>
-              <a:t>08.11.2019</a:t>
+              <a:t>09.11.2019</a:t>
             </a:fld>
             <a:endParaRPr lang="de-DE"/>
           </a:p>
@@ -417,7 +421,7 @@
           <a:p>
             <a:fld id="{998D148A-8A7C-4810-9B27-639E251EDC4D}" type="datetimeFigureOut">
               <a:rPr lang="de-DE" smtClean="0"/>
-              <a:t>08.11.2019</a:t>
+              <a:t>09.11.2019</a:t>
             </a:fld>
             <a:endParaRPr lang="de-DE"/>
           </a:p>
@@ -597,7 +601,7 @@
           <a:p>
             <a:fld id="{998D148A-8A7C-4810-9B27-639E251EDC4D}" type="datetimeFigureOut">
               <a:rPr lang="de-DE" smtClean="0"/>
-              <a:t>08.11.2019</a:t>
+              <a:t>09.11.2019</a:t>
             </a:fld>
             <a:endParaRPr lang="de-DE"/>
           </a:p>
@@ -767,7 +771,7 @@
           <a:p>
             <a:fld id="{998D148A-8A7C-4810-9B27-639E251EDC4D}" type="datetimeFigureOut">
               <a:rPr lang="de-DE" smtClean="0"/>
-              <a:t>08.11.2019</a:t>
+              <a:t>09.11.2019</a:t>
             </a:fld>
             <a:endParaRPr lang="de-DE"/>
           </a:p>
@@ -1013,7 +1017,7 @@
           <a:p>
             <a:fld id="{998D148A-8A7C-4810-9B27-639E251EDC4D}" type="datetimeFigureOut">
               <a:rPr lang="de-DE" smtClean="0"/>
-              <a:t>08.11.2019</a:t>
+              <a:t>09.11.2019</a:t>
             </a:fld>
             <a:endParaRPr lang="de-DE"/>
           </a:p>
@@ -1245,7 +1249,7 @@
           <a:p>
             <a:fld id="{998D148A-8A7C-4810-9B27-639E251EDC4D}" type="datetimeFigureOut">
               <a:rPr lang="de-DE" smtClean="0"/>
-              <a:t>08.11.2019</a:t>
+              <a:t>09.11.2019</a:t>
             </a:fld>
             <a:endParaRPr lang="de-DE"/>
           </a:p>
@@ -1612,7 +1616,7 @@
           <a:p>
             <a:fld id="{998D148A-8A7C-4810-9B27-639E251EDC4D}" type="datetimeFigureOut">
               <a:rPr lang="de-DE" smtClean="0"/>
-              <a:t>08.11.2019</a:t>
+              <a:t>09.11.2019</a:t>
             </a:fld>
             <a:endParaRPr lang="de-DE"/>
           </a:p>
@@ -1730,7 +1734,7 @@
           <a:p>
             <a:fld id="{998D148A-8A7C-4810-9B27-639E251EDC4D}" type="datetimeFigureOut">
               <a:rPr lang="de-DE" smtClean="0"/>
-              <a:t>08.11.2019</a:t>
+              <a:t>09.11.2019</a:t>
             </a:fld>
             <a:endParaRPr lang="de-DE"/>
           </a:p>
@@ -1825,7 +1829,7 @@
           <a:p>
             <a:fld id="{998D148A-8A7C-4810-9B27-639E251EDC4D}" type="datetimeFigureOut">
               <a:rPr lang="de-DE" smtClean="0"/>
-              <a:t>08.11.2019</a:t>
+              <a:t>09.11.2019</a:t>
             </a:fld>
             <a:endParaRPr lang="de-DE"/>
           </a:p>
@@ -2102,7 +2106,7 @@
           <a:p>
             <a:fld id="{998D148A-8A7C-4810-9B27-639E251EDC4D}" type="datetimeFigureOut">
               <a:rPr lang="de-DE" smtClean="0"/>
-              <a:t>08.11.2019</a:t>
+              <a:t>09.11.2019</a:t>
             </a:fld>
             <a:endParaRPr lang="de-DE"/>
           </a:p>
@@ -2355,7 +2359,7 @@
           <a:p>
             <a:fld id="{998D148A-8A7C-4810-9B27-639E251EDC4D}" type="datetimeFigureOut">
               <a:rPr lang="de-DE" smtClean="0"/>
-              <a:t>08.11.2019</a:t>
+              <a:t>09.11.2019</a:t>
             </a:fld>
             <a:endParaRPr lang="de-DE"/>
           </a:p>
@@ -2568,7 +2572,7 @@
           <a:p>
             <a:fld id="{998D148A-8A7C-4810-9B27-639E251EDC4D}" type="datetimeFigureOut">
               <a:rPr lang="de-DE" smtClean="0"/>
-              <a:t>08.11.2019</a:t>
+              <a:t>09.11.2019</a:t>
             </a:fld>
             <a:endParaRPr lang="de-DE"/>
           </a:p>
@@ -4065,6 +4069,294 @@
           </a:prstGeom>
         </p:spPr>
       </p:pic>
+      <p:sp>
+        <p:nvSpPr>
+          <p:cNvPr id="3" name="矩形 2"/>
+          <p:cNvSpPr/>
+          <p:nvPr/>
+        </p:nvSpPr>
+        <p:spPr>
+          <a:xfrm>
+            <a:off x="2768137" y="2094807"/>
+            <a:ext cx="435379" cy="249381"/>
+          </a:xfrm>
+          <a:prstGeom prst="rect">
+            <a:avLst/>
+          </a:prstGeom>
+          <a:solidFill>
+            <a:schemeClr val="accent1">
+              <a:lumMod val="75000"/>
+            </a:schemeClr>
+          </a:solidFill>
+          <a:ln>
+            <a:solidFill>
+              <a:schemeClr val="accent1">
+                <a:lumMod val="75000"/>
+              </a:schemeClr>
+            </a:solidFill>
+          </a:ln>
+        </p:spPr>
+        <p:style>
+          <a:lnRef idx="2">
+            <a:schemeClr val="accent1">
+              <a:shade val="50000"/>
+            </a:schemeClr>
+          </a:lnRef>
+          <a:fillRef idx="1">
+            <a:schemeClr val="accent1"/>
+          </a:fillRef>
+          <a:effectRef idx="0">
+            <a:schemeClr val="accent1"/>
+          </a:effectRef>
+          <a:fontRef idx="minor">
+            <a:schemeClr val="lt1"/>
+          </a:fontRef>
+        </p:style>
+        <p:txBody>
+          <a:bodyPr rtlCol="0" anchor="ctr"/>
+          <a:lstStyle/>
+          <a:p>
+            <a:pPr algn="ctr"/>
+            <a:r>
+              <a:rPr lang="de-DE" smtClean="0"/>
+              <a:t>C</a:t>
+            </a:r>
+            <a:endParaRPr lang="de-DE"/>
+          </a:p>
+        </p:txBody>
+      </p:sp>
+      <p:cxnSp>
+        <p:nvCxnSpPr>
+          <p:cNvPr id="4" name="直接箭头连接符 3"/>
+          <p:cNvCxnSpPr>
+            <a:stCxn id="3" idx="3"/>
+          </p:cNvCxnSpPr>
+          <p:nvPr/>
+        </p:nvCxnSpPr>
+        <p:spPr>
+          <a:xfrm>
+            <a:off x="3203516" y="2219498"/>
+            <a:ext cx="196387" cy="124690"/>
+          </a:xfrm>
+          <a:prstGeom prst="straightConnector1">
+            <a:avLst/>
+          </a:prstGeom>
+          <a:ln w="38100">
+            <a:solidFill>
+              <a:schemeClr val="accent1">
+                <a:lumMod val="75000"/>
+              </a:schemeClr>
+            </a:solidFill>
+            <a:tailEnd type="triangle"/>
+          </a:ln>
+        </p:spPr>
+        <p:style>
+          <a:lnRef idx="1">
+            <a:schemeClr val="accent1"/>
+          </a:lnRef>
+          <a:fillRef idx="0">
+            <a:schemeClr val="accent1"/>
+          </a:fillRef>
+          <a:effectRef idx="0">
+            <a:schemeClr val="accent1"/>
+          </a:effectRef>
+          <a:fontRef idx="minor">
+            <a:schemeClr val="tx1"/>
+          </a:fontRef>
+        </p:style>
+      </p:cxnSp>
+      <p:sp>
+        <p:nvSpPr>
+          <p:cNvPr id="9" name="矩形 8"/>
+          <p:cNvSpPr/>
+          <p:nvPr/>
+        </p:nvSpPr>
+        <p:spPr>
+          <a:xfrm>
+            <a:off x="4641272" y="5128953"/>
+            <a:ext cx="435379" cy="462222"/>
+          </a:xfrm>
+          <a:prstGeom prst="rect">
+            <a:avLst/>
+          </a:prstGeom>
+          <a:solidFill>
+            <a:schemeClr val="accent1">
+              <a:lumMod val="75000"/>
+            </a:schemeClr>
+          </a:solidFill>
+          <a:ln>
+            <a:solidFill>
+              <a:schemeClr val="accent1">
+                <a:lumMod val="75000"/>
+              </a:schemeClr>
+            </a:solidFill>
+          </a:ln>
+        </p:spPr>
+        <p:style>
+          <a:lnRef idx="2">
+            <a:schemeClr val="accent1">
+              <a:shade val="50000"/>
+            </a:schemeClr>
+          </a:lnRef>
+          <a:fillRef idx="1">
+            <a:schemeClr val="accent1"/>
+          </a:fillRef>
+          <a:effectRef idx="0">
+            <a:schemeClr val="accent1"/>
+          </a:effectRef>
+          <a:fontRef idx="minor">
+            <a:schemeClr val="lt1"/>
+          </a:fontRef>
+        </p:style>
+        <p:txBody>
+          <a:bodyPr rtlCol="0" anchor="ctr"/>
+          <a:lstStyle/>
+          <a:p>
+            <a:pPr algn="ctr"/>
+            <a:r>
+              <a:rPr lang="de-DE" smtClean="0"/>
+              <a:t>P</a:t>
+            </a:r>
+            <a:endParaRPr lang="de-DE"/>
+          </a:p>
+        </p:txBody>
+      </p:sp>
+      <p:cxnSp>
+        <p:nvCxnSpPr>
+          <p:cNvPr id="10" name="直接箭头连接符 9"/>
+          <p:cNvCxnSpPr>
+            <a:stCxn id="9" idx="0"/>
+          </p:cNvCxnSpPr>
+          <p:nvPr/>
+        </p:nvCxnSpPr>
+        <p:spPr>
+          <a:xfrm flipV="1">
+            <a:off x="4858962" y="4181303"/>
+            <a:ext cx="78798" cy="947650"/>
+          </a:xfrm>
+          <a:prstGeom prst="straightConnector1">
+            <a:avLst/>
+          </a:prstGeom>
+          <a:ln w="38100">
+            <a:solidFill>
+              <a:schemeClr val="accent1">
+                <a:lumMod val="75000"/>
+              </a:schemeClr>
+            </a:solidFill>
+            <a:tailEnd type="triangle"/>
+          </a:ln>
+        </p:spPr>
+        <p:style>
+          <a:lnRef idx="1">
+            <a:schemeClr val="accent1"/>
+          </a:lnRef>
+          <a:fillRef idx="0">
+            <a:schemeClr val="accent1"/>
+          </a:fillRef>
+          <a:effectRef idx="0">
+            <a:schemeClr val="accent1"/>
+          </a:effectRef>
+          <a:fontRef idx="minor">
+            <a:schemeClr val="tx1"/>
+          </a:fontRef>
+        </p:style>
+      </p:cxnSp>
+      <p:sp>
+        <p:nvSpPr>
+          <p:cNvPr id="16" name="矩形 15"/>
+          <p:cNvSpPr/>
+          <p:nvPr/>
+        </p:nvSpPr>
+        <p:spPr>
+          <a:xfrm>
+            <a:off x="6339840" y="1266825"/>
+            <a:ext cx="435379" cy="462222"/>
+          </a:xfrm>
+          <a:prstGeom prst="rect">
+            <a:avLst/>
+          </a:prstGeom>
+          <a:solidFill>
+            <a:schemeClr val="accent1">
+              <a:lumMod val="75000"/>
+            </a:schemeClr>
+          </a:solidFill>
+          <a:ln>
+            <a:solidFill>
+              <a:schemeClr val="accent1">
+                <a:lumMod val="75000"/>
+              </a:schemeClr>
+            </a:solidFill>
+          </a:ln>
+        </p:spPr>
+        <p:style>
+          <a:lnRef idx="2">
+            <a:schemeClr val="accent1">
+              <a:shade val="50000"/>
+            </a:schemeClr>
+          </a:lnRef>
+          <a:fillRef idx="1">
+            <a:schemeClr val="accent1"/>
+          </a:fillRef>
+          <a:effectRef idx="0">
+            <a:schemeClr val="accent1"/>
+          </a:effectRef>
+          <a:fontRef idx="minor">
+            <a:schemeClr val="lt1"/>
+          </a:fontRef>
+        </p:style>
+        <p:txBody>
+          <a:bodyPr rtlCol="0" anchor="ctr"/>
+          <a:lstStyle/>
+          <a:p>
+            <a:pPr algn="ctr"/>
+            <a:r>
+              <a:rPr lang="de-DE" smtClean="0"/>
+              <a:t>P‘</a:t>
+            </a:r>
+            <a:endParaRPr lang="de-DE"/>
+          </a:p>
+        </p:txBody>
+      </p:sp>
+      <p:cxnSp>
+        <p:nvCxnSpPr>
+          <p:cNvPr id="17" name="直接箭头连接符 16"/>
+          <p:cNvCxnSpPr>
+            <a:stCxn id="16" idx="2"/>
+          </p:cNvCxnSpPr>
+          <p:nvPr/>
+        </p:nvCxnSpPr>
+        <p:spPr>
+          <a:xfrm flipH="1">
+            <a:off x="5777345" y="1729047"/>
+            <a:ext cx="780185" cy="552796"/>
+          </a:xfrm>
+          <a:prstGeom prst="straightConnector1">
+            <a:avLst/>
+          </a:prstGeom>
+          <a:ln w="38100">
+            <a:solidFill>
+              <a:schemeClr val="accent1">
+                <a:lumMod val="75000"/>
+              </a:schemeClr>
+            </a:solidFill>
+            <a:tailEnd type="triangle"/>
+          </a:ln>
+        </p:spPr>
+        <p:style>
+          <a:lnRef idx="1">
+            <a:schemeClr val="accent1"/>
+          </a:lnRef>
+          <a:fillRef idx="0">
+            <a:schemeClr val="accent1"/>
+          </a:fillRef>
+          <a:effectRef idx="0">
+            <a:schemeClr val="accent1"/>
+          </a:effectRef>
+          <a:fontRef idx="minor">
+            <a:schemeClr val="tx1"/>
+          </a:fontRef>
+        </p:style>
+      </p:cxnSp>
     </p:spTree>
     <p:extLst>
       <p:ext uri="{BB962C8B-B14F-4D97-AF65-F5344CB8AC3E}">
@@ -4095,6 +4387,54 @@
           <a:chExt cx="0" cy="0"/>
         </a:xfrm>
       </p:grpSpPr>
+      <p:pic>
+        <p:nvPicPr>
+          <p:cNvPr id="4" name="图片 3"/>
+          <p:cNvPicPr>
+            <a:picLocks noChangeAspect="1"/>
+          </p:cNvPicPr>
+          <p:nvPr/>
+        </p:nvPicPr>
+        <p:blipFill>
+          <a:blip r:embed="rId2"/>
+          <a:stretch>
+            <a:fillRect/>
+          </a:stretch>
+        </p:blipFill>
+        <p:spPr>
+          <a:xfrm>
+            <a:off x="5430983" y="2016832"/>
+            <a:ext cx="3235718" cy="3140219"/>
+          </a:xfrm>
+          <a:prstGeom prst="rect">
+            <a:avLst/>
+          </a:prstGeom>
+        </p:spPr>
+      </p:pic>
+      <p:pic>
+        <p:nvPicPr>
+          <p:cNvPr id="5" name="图片 4"/>
+          <p:cNvPicPr>
+            <a:picLocks noChangeAspect="1"/>
+          </p:cNvPicPr>
+          <p:nvPr/>
+        </p:nvPicPr>
+        <p:blipFill>
+          <a:blip r:embed="rId3"/>
+          <a:stretch>
+            <a:fillRect/>
+          </a:stretch>
+        </p:blipFill>
+        <p:spPr>
+          <a:xfrm>
+            <a:off x="1721023" y="2016832"/>
+            <a:ext cx="3335655" cy="3140424"/>
+          </a:xfrm>
+          <a:prstGeom prst="rect">
+            <a:avLst/>
+          </a:prstGeom>
+        </p:spPr>
+      </p:pic>
     </p:spTree>
     <p:extLst>
       <p:ext uri="{BB962C8B-B14F-4D97-AF65-F5344CB8AC3E}">
@@ -4129,6 +4469,198 @@
     <p:extLst>
       <p:ext uri="{BB962C8B-B14F-4D97-AF65-F5344CB8AC3E}">
         <p14:creationId xmlns:p14="http://schemas.microsoft.com/office/powerpoint/2010/main" val="3655332049"/>
+      </p:ext>
+    </p:extLst>
+  </p:cSld>
+  <p:clrMapOvr>
+    <a:masterClrMapping/>
+  </p:clrMapOvr>
+</p:sld>
+</file>
+
+<file path=ppt/slides/slide6.xml><?xml version="1.0" encoding="utf-8"?>
+<p:sld xmlns:a="http://schemas.openxmlformats.org/drawingml/2006/main" xmlns:r="http://schemas.openxmlformats.org/officeDocument/2006/relationships" xmlns:p="http://schemas.openxmlformats.org/presentationml/2006/main">
+  <p:cSld>
+    <p:spTree>
+      <p:nvGrpSpPr>
+        <p:cNvPr id="1" name=""/>
+        <p:cNvGrpSpPr/>
+        <p:nvPr/>
+      </p:nvGrpSpPr>
+      <p:grpSpPr>
+        <a:xfrm>
+          <a:off x="0" y="0"/>
+          <a:ext cx="0" cy="0"/>
+          <a:chOff x="0" y="0"/>
+          <a:chExt cx="0" cy="0"/>
+        </a:xfrm>
+      </p:grpSpPr>
+    </p:spTree>
+    <p:extLst>
+      <p:ext uri="{BB962C8B-B14F-4D97-AF65-F5344CB8AC3E}">
+        <p14:creationId xmlns:p14="http://schemas.microsoft.com/office/powerpoint/2010/main" val="3089438649"/>
+      </p:ext>
+    </p:extLst>
+  </p:cSld>
+  <p:clrMapOvr>
+    <a:masterClrMapping/>
+  </p:clrMapOvr>
+</p:sld>
+</file>
+
+<file path=ppt/slides/slide7.xml><?xml version="1.0" encoding="utf-8"?>
+<p:sld xmlns:a="http://schemas.openxmlformats.org/drawingml/2006/main" xmlns:r="http://schemas.openxmlformats.org/officeDocument/2006/relationships" xmlns:p="http://schemas.openxmlformats.org/presentationml/2006/main">
+  <p:cSld>
+    <p:spTree>
+      <p:nvGrpSpPr>
+        <p:cNvPr id="1" name=""/>
+        <p:cNvGrpSpPr/>
+        <p:nvPr/>
+      </p:nvGrpSpPr>
+      <p:grpSpPr>
+        <a:xfrm>
+          <a:off x="0" y="0"/>
+          <a:ext cx="0" cy="0"/>
+          <a:chOff x="0" y="0"/>
+          <a:chExt cx="0" cy="0"/>
+        </a:xfrm>
+      </p:grpSpPr>
+    </p:spTree>
+    <p:extLst>
+      <p:ext uri="{BB962C8B-B14F-4D97-AF65-F5344CB8AC3E}">
+        <p14:creationId xmlns:p14="http://schemas.microsoft.com/office/powerpoint/2010/main" val="204373444"/>
+      </p:ext>
+    </p:extLst>
+  </p:cSld>
+  <p:clrMapOvr>
+    <a:masterClrMapping/>
+  </p:clrMapOvr>
+</p:sld>
+</file>
+
+<file path=ppt/slides/slide8.xml><?xml version="1.0" encoding="utf-8"?>
+<p:sld xmlns:a="http://schemas.openxmlformats.org/drawingml/2006/main" xmlns:r="http://schemas.openxmlformats.org/officeDocument/2006/relationships" xmlns:p="http://schemas.openxmlformats.org/presentationml/2006/main">
+  <p:cSld>
+    <p:spTree>
+      <p:nvGrpSpPr>
+        <p:cNvPr id="1" name=""/>
+        <p:cNvGrpSpPr/>
+        <p:nvPr/>
+      </p:nvGrpSpPr>
+      <p:grpSpPr>
+        <a:xfrm>
+          <a:off x="0" y="0"/>
+          <a:ext cx="0" cy="0"/>
+          <a:chOff x="0" y="0"/>
+          <a:chExt cx="0" cy="0"/>
+        </a:xfrm>
+      </p:grpSpPr>
+    </p:spTree>
+    <p:extLst>
+      <p:ext uri="{BB962C8B-B14F-4D97-AF65-F5344CB8AC3E}">
+        <p14:creationId xmlns:p14="http://schemas.microsoft.com/office/powerpoint/2010/main" val="1820040530"/>
+      </p:ext>
+    </p:extLst>
+  </p:cSld>
+  <p:clrMapOvr>
+    <a:masterClrMapping/>
+  </p:clrMapOvr>
+</p:sld>
+</file>
+
+<file path=ppt/slides/slide9.xml><?xml version="1.0" encoding="utf-8"?>
+<p:sld xmlns:a="http://schemas.openxmlformats.org/drawingml/2006/main" xmlns:r="http://schemas.openxmlformats.org/officeDocument/2006/relationships" xmlns:p="http://schemas.openxmlformats.org/presentationml/2006/main">
+  <p:cSld>
+    <p:spTree>
+      <p:nvGrpSpPr>
+        <p:cNvPr id="1" name=""/>
+        <p:cNvGrpSpPr/>
+        <p:nvPr/>
+      </p:nvGrpSpPr>
+      <p:grpSpPr>
+        <a:xfrm>
+          <a:off x="0" y="0"/>
+          <a:ext cx="0" cy="0"/>
+          <a:chOff x="0" y="0"/>
+          <a:chExt cx="0" cy="0"/>
+        </a:xfrm>
+      </p:grpSpPr>
+      <p:pic>
+        <p:nvPicPr>
+          <p:cNvPr id="2" name="图片 1"/>
+          <p:cNvPicPr>
+            <a:picLocks noChangeAspect="1"/>
+          </p:cNvPicPr>
+          <p:nvPr/>
+        </p:nvPicPr>
+        <p:blipFill>
+          <a:blip r:embed="rId2"/>
+          <a:stretch>
+            <a:fillRect/>
+          </a:stretch>
+        </p:blipFill>
+        <p:spPr>
+          <a:xfrm>
+            <a:off x="4288913" y="1966318"/>
+            <a:ext cx="2365887" cy="2383947"/>
+          </a:xfrm>
+          <a:prstGeom prst="rect">
+            <a:avLst/>
+          </a:prstGeom>
+        </p:spPr>
+      </p:pic>
+      <p:pic>
+        <p:nvPicPr>
+          <p:cNvPr id="3" name="图片 2"/>
+          <p:cNvPicPr>
+            <a:picLocks noChangeAspect="1"/>
+          </p:cNvPicPr>
+          <p:nvPr/>
+        </p:nvPicPr>
+        <p:blipFill>
+          <a:blip r:embed="rId3"/>
+          <a:stretch>
+            <a:fillRect/>
+          </a:stretch>
+        </p:blipFill>
+        <p:spPr>
+          <a:xfrm>
+            <a:off x="1452842" y="3048000"/>
+            <a:ext cx="2784519" cy="1302265"/>
+          </a:xfrm>
+          <a:prstGeom prst="rect">
+            <a:avLst/>
+          </a:prstGeom>
+        </p:spPr>
+      </p:pic>
+      <p:pic>
+        <p:nvPicPr>
+          <p:cNvPr id="4" name="图片 3"/>
+          <p:cNvPicPr>
+            <a:picLocks noChangeAspect="1"/>
+          </p:cNvPicPr>
+          <p:nvPr/>
+        </p:nvPicPr>
+        <p:blipFill>
+          <a:blip r:embed="rId4"/>
+          <a:stretch>
+            <a:fillRect/>
+          </a:stretch>
+        </p:blipFill>
+        <p:spPr>
+          <a:xfrm>
+            <a:off x="6706352" y="1966318"/>
+            <a:ext cx="2794002" cy="2388632"/>
+          </a:xfrm>
+          <a:prstGeom prst="rect">
+            <a:avLst/>
+          </a:prstGeom>
+        </p:spPr>
+      </p:pic>
+    </p:spTree>
+    <p:extLst>
+      <p:ext uri="{BB962C8B-B14F-4D97-AF65-F5344CB8AC3E}">
+        <p14:creationId xmlns:p14="http://schemas.microsoft.com/office/powerpoint/2010/main" val="2086973623"/>
       </p:ext>
     </p:extLst>
   </p:cSld>

--- a/fig/fig.pptx
+++ b/fig/fig.pptx
@@ -251,7 +251,7 @@
           <a:p>
             <a:fld id="{998D148A-8A7C-4810-9B27-639E251EDC4D}" type="datetimeFigureOut">
               <a:rPr lang="de-DE" smtClean="0"/>
-              <a:t>09.11.2019</a:t>
+              <a:t>19.11.2019</a:t>
             </a:fld>
             <a:endParaRPr lang="de-DE"/>
           </a:p>
@@ -421,7 +421,7 @@
           <a:p>
             <a:fld id="{998D148A-8A7C-4810-9B27-639E251EDC4D}" type="datetimeFigureOut">
               <a:rPr lang="de-DE" smtClean="0"/>
-              <a:t>09.11.2019</a:t>
+              <a:t>19.11.2019</a:t>
             </a:fld>
             <a:endParaRPr lang="de-DE"/>
           </a:p>
@@ -601,7 +601,7 @@
           <a:p>
             <a:fld id="{998D148A-8A7C-4810-9B27-639E251EDC4D}" type="datetimeFigureOut">
               <a:rPr lang="de-DE" smtClean="0"/>
-              <a:t>09.11.2019</a:t>
+              <a:t>19.11.2019</a:t>
             </a:fld>
             <a:endParaRPr lang="de-DE"/>
           </a:p>
@@ -771,7 +771,7 @@
           <a:p>
             <a:fld id="{998D148A-8A7C-4810-9B27-639E251EDC4D}" type="datetimeFigureOut">
               <a:rPr lang="de-DE" smtClean="0"/>
-              <a:t>09.11.2019</a:t>
+              <a:t>19.11.2019</a:t>
             </a:fld>
             <a:endParaRPr lang="de-DE"/>
           </a:p>
@@ -1017,7 +1017,7 @@
           <a:p>
             <a:fld id="{998D148A-8A7C-4810-9B27-639E251EDC4D}" type="datetimeFigureOut">
               <a:rPr lang="de-DE" smtClean="0"/>
-              <a:t>09.11.2019</a:t>
+              <a:t>19.11.2019</a:t>
             </a:fld>
             <a:endParaRPr lang="de-DE"/>
           </a:p>
@@ -1249,7 +1249,7 @@
           <a:p>
             <a:fld id="{998D148A-8A7C-4810-9B27-639E251EDC4D}" type="datetimeFigureOut">
               <a:rPr lang="de-DE" smtClean="0"/>
-              <a:t>09.11.2019</a:t>
+              <a:t>19.11.2019</a:t>
             </a:fld>
             <a:endParaRPr lang="de-DE"/>
           </a:p>
@@ -1616,7 +1616,7 @@
           <a:p>
             <a:fld id="{998D148A-8A7C-4810-9B27-639E251EDC4D}" type="datetimeFigureOut">
               <a:rPr lang="de-DE" smtClean="0"/>
-              <a:t>09.11.2019</a:t>
+              <a:t>19.11.2019</a:t>
             </a:fld>
             <a:endParaRPr lang="de-DE"/>
           </a:p>
@@ -1734,7 +1734,7 @@
           <a:p>
             <a:fld id="{998D148A-8A7C-4810-9B27-639E251EDC4D}" type="datetimeFigureOut">
               <a:rPr lang="de-DE" smtClean="0"/>
-              <a:t>09.11.2019</a:t>
+              <a:t>19.11.2019</a:t>
             </a:fld>
             <a:endParaRPr lang="de-DE"/>
           </a:p>
@@ -1829,7 +1829,7 @@
           <a:p>
             <a:fld id="{998D148A-8A7C-4810-9B27-639E251EDC4D}" type="datetimeFigureOut">
               <a:rPr lang="de-DE" smtClean="0"/>
-              <a:t>09.11.2019</a:t>
+              <a:t>19.11.2019</a:t>
             </a:fld>
             <a:endParaRPr lang="de-DE"/>
           </a:p>
@@ -2106,7 +2106,7 @@
           <a:p>
             <a:fld id="{998D148A-8A7C-4810-9B27-639E251EDC4D}" type="datetimeFigureOut">
               <a:rPr lang="de-DE" smtClean="0"/>
-              <a:t>09.11.2019</a:t>
+              <a:t>19.11.2019</a:t>
             </a:fld>
             <a:endParaRPr lang="de-DE"/>
           </a:p>
@@ -2359,7 +2359,7 @@
           <a:p>
             <a:fld id="{998D148A-8A7C-4810-9B27-639E251EDC4D}" type="datetimeFigureOut">
               <a:rPr lang="de-DE" smtClean="0"/>
-              <a:t>09.11.2019</a:t>
+              <a:t>19.11.2019</a:t>
             </a:fld>
             <a:endParaRPr lang="de-DE"/>
           </a:p>
@@ -2572,7 +2572,7 @@
           <a:p>
             <a:fld id="{998D148A-8A7C-4810-9B27-639E251EDC4D}" type="datetimeFigureOut">
               <a:rPr lang="de-DE" smtClean="0"/>
-              <a:t>09.11.2019</a:t>
+              <a:t>19.11.2019</a:t>
             </a:fld>
             <a:endParaRPr lang="de-DE"/>
           </a:p>
@@ -4465,6 +4465,217 @@
           <a:chExt cx="0" cy="0"/>
         </a:xfrm>
       </p:grpSpPr>
+      <p:pic>
+        <p:nvPicPr>
+          <p:cNvPr id="2" name="图片 1"/>
+          <p:cNvPicPr>
+            <a:picLocks noChangeAspect="1"/>
+          </p:cNvPicPr>
+          <p:nvPr/>
+        </p:nvPicPr>
+        <p:blipFill>
+          <a:blip r:embed="rId2"/>
+          <a:stretch>
+            <a:fillRect/>
+          </a:stretch>
+        </p:blipFill>
+        <p:spPr>
+          <a:xfrm>
+            <a:off x="3300412" y="1238250"/>
+            <a:ext cx="5591175" cy="4381500"/>
+          </a:xfrm>
+          <a:prstGeom prst="rect">
+            <a:avLst/>
+          </a:prstGeom>
+        </p:spPr>
+      </p:pic>
+      <p:sp>
+        <p:nvSpPr>
+          <p:cNvPr id="3" name="文本框 2"/>
+          <p:cNvSpPr txBox="1"/>
+          <p:nvPr/>
+        </p:nvSpPr>
+        <p:spPr>
+          <a:xfrm>
+            <a:off x="6724996" y="3807229"/>
+            <a:ext cx="1508426" cy="369332"/>
+          </a:xfrm>
+          <a:prstGeom prst="rect">
+            <a:avLst/>
+          </a:prstGeom>
+          <a:noFill/>
+        </p:spPr>
+        <p:txBody>
+          <a:bodyPr wrap="none" rtlCol="0">
+            <a:spAutoFit/>
+          </a:bodyPr>
+          <a:lstStyle/>
+          <a:p>
+            <a:r>
+              <a:rPr lang="de-DE" smtClean="0"/>
+              <a:t>Measurement</a:t>
+            </a:r>
+            <a:endParaRPr lang="de-DE"/>
+          </a:p>
+        </p:txBody>
+      </p:sp>
+      <p:sp>
+        <p:nvSpPr>
+          <p:cNvPr id="4" name="文本框 3"/>
+          <p:cNvSpPr txBox="1"/>
+          <p:nvPr/>
+        </p:nvSpPr>
+        <p:spPr>
+          <a:xfrm>
+            <a:off x="6168044" y="2152996"/>
+            <a:ext cx="1032590" cy="369332"/>
+          </a:xfrm>
+          <a:prstGeom prst="rect">
+            <a:avLst/>
+          </a:prstGeom>
+          <a:noFill/>
+        </p:spPr>
+        <p:txBody>
+          <a:bodyPr wrap="none" rtlCol="0">
+            <a:spAutoFit/>
+          </a:bodyPr>
+          <a:lstStyle/>
+          <a:p>
+            <a:r>
+              <a:rPr lang="de-DE" smtClean="0"/>
+              <a:t>Posterior</a:t>
+            </a:r>
+            <a:endParaRPr lang="de-DE"/>
+          </a:p>
+        </p:txBody>
+      </p:sp>
+      <p:sp>
+        <p:nvSpPr>
+          <p:cNvPr id="5" name="文本框 4"/>
+          <p:cNvSpPr txBox="1"/>
+          <p:nvPr/>
+        </p:nvSpPr>
+        <p:spPr>
+          <a:xfrm>
+            <a:off x="4645604" y="3059668"/>
+            <a:ext cx="638316" cy="369332"/>
+          </a:xfrm>
+          <a:prstGeom prst="rect">
+            <a:avLst/>
+          </a:prstGeom>
+          <a:noFill/>
+        </p:spPr>
+        <p:txBody>
+          <a:bodyPr wrap="none" rtlCol="0">
+            <a:spAutoFit/>
+          </a:bodyPr>
+          <a:lstStyle/>
+          <a:p>
+            <a:r>
+              <a:rPr lang="de-DE" smtClean="0"/>
+              <a:t>Prior</a:t>
+            </a:r>
+            <a:endParaRPr lang="de-DE"/>
+          </a:p>
+        </p:txBody>
+      </p:sp>
+      <p:cxnSp>
+        <p:nvCxnSpPr>
+          <p:cNvPr id="7" name="直接连接符 6"/>
+          <p:cNvCxnSpPr/>
+          <p:nvPr/>
+        </p:nvCxnSpPr>
+        <p:spPr>
+          <a:xfrm>
+            <a:off x="5283920" y="3244334"/>
+            <a:ext cx="302233" cy="122321"/>
+          </a:xfrm>
+          <a:prstGeom prst="line">
+            <a:avLst/>
+          </a:prstGeom>
+          <a:ln w="25400"/>
+        </p:spPr>
+        <p:style>
+          <a:lnRef idx="1">
+            <a:schemeClr val="dk1"/>
+          </a:lnRef>
+          <a:fillRef idx="0">
+            <a:schemeClr val="dk1"/>
+          </a:fillRef>
+          <a:effectRef idx="0">
+            <a:schemeClr val="dk1"/>
+          </a:effectRef>
+          <a:fontRef idx="minor">
+            <a:schemeClr val="tx1"/>
+          </a:fontRef>
+        </p:style>
+      </p:cxnSp>
+      <p:cxnSp>
+        <p:nvCxnSpPr>
+          <p:cNvPr id="9" name="直接连接符 8"/>
+          <p:cNvCxnSpPr>
+            <a:stCxn id="4" idx="2"/>
+          </p:cNvCxnSpPr>
+          <p:nvPr/>
+        </p:nvCxnSpPr>
+        <p:spPr>
+          <a:xfrm flipH="1">
+            <a:off x="6095999" y="2522328"/>
+            <a:ext cx="588340" cy="125622"/>
+          </a:xfrm>
+          <a:prstGeom prst="line">
+            <a:avLst/>
+          </a:prstGeom>
+          <a:ln w="25400"/>
+        </p:spPr>
+        <p:style>
+          <a:lnRef idx="1">
+            <a:schemeClr val="dk1"/>
+          </a:lnRef>
+          <a:fillRef idx="0">
+            <a:schemeClr val="dk1"/>
+          </a:fillRef>
+          <a:effectRef idx="0">
+            <a:schemeClr val="dk1"/>
+          </a:effectRef>
+          <a:fontRef idx="minor">
+            <a:schemeClr val="tx1"/>
+          </a:fontRef>
+        </p:style>
+      </p:cxnSp>
+      <p:cxnSp>
+        <p:nvCxnSpPr>
+          <p:cNvPr id="12" name="直接连接符 11"/>
+          <p:cNvCxnSpPr>
+            <a:endCxn id="3" idx="2"/>
+          </p:cNvCxnSpPr>
+          <p:nvPr/>
+        </p:nvCxnSpPr>
+        <p:spPr>
+          <a:xfrm flipV="1">
+            <a:off x="6924675" y="4176561"/>
+            <a:ext cx="554534" cy="271614"/>
+          </a:xfrm>
+          <a:prstGeom prst="line">
+            <a:avLst/>
+          </a:prstGeom>
+          <a:ln w="25400"/>
+        </p:spPr>
+        <p:style>
+          <a:lnRef idx="1">
+            <a:schemeClr val="dk1"/>
+          </a:lnRef>
+          <a:fillRef idx="0">
+            <a:schemeClr val="dk1"/>
+          </a:fillRef>
+          <a:effectRef idx="0">
+            <a:schemeClr val="dk1"/>
+          </a:effectRef>
+          <a:fontRef idx="minor">
+            <a:schemeClr val="tx1"/>
+          </a:fontRef>
+        </p:style>
+      </p:cxnSp>
     </p:spTree>
     <p:extLst>
       <p:ext uri="{BB962C8B-B14F-4D97-AF65-F5344CB8AC3E}">
@@ -4495,6 +4706,54 @@
           <a:chExt cx="0" cy="0"/>
         </a:xfrm>
       </p:grpSpPr>
+      <p:pic>
+        <p:nvPicPr>
+          <p:cNvPr id="2" name="图片 1"/>
+          <p:cNvPicPr>
+            <a:picLocks noChangeAspect="1"/>
+          </p:cNvPicPr>
+          <p:nvPr/>
+        </p:nvPicPr>
+        <p:blipFill>
+          <a:blip r:embed="rId2"/>
+          <a:stretch>
+            <a:fillRect/>
+          </a:stretch>
+        </p:blipFill>
+        <p:spPr>
+          <a:xfrm>
+            <a:off x="975013" y="1953533"/>
+            <a:ext cx="3621925" cy="2776410"/>
+          </a:xfrm>
+          <a:prstGeom prst="rect">
+            <a:avLst/>
+          </a:prstGeom>
+        </p:spPr>
+      </p:pic>
+      <p:pic>
+        <p:nvPicPr>
+          <p:cNvPr id="3" name="图片 2"/>
+          <p:cNvPicPr>
+            <a:picLocks noChangeAspect="1"/>
+          </p:cNvPicPr>
+          <p:nvPr/>
+        </p:nvPicPr>
+        <p:blipFill>
+          <a:blip r:embed="rId3"/>
+          <a:stretch>
+            <a:fillRect/>
+          </a:stretch>
+        </p:blipFill>
+        <p:spPr>
+          <a:xfrm>
+            <a:off x="4695912" y="2088487"/>
+            <a:ext cx="3442249" cy="2646042"/>
+          </a:xfrm>
+          <a:prstGeom prst="rect">
+            <a:avLst/>
+          </a:prstGeom>
+        </p:spPr>
+      </p:pic>
     </p:spTree>
     <p:extLst>
       <p:ext uri="{BB962C8B-B14F-4D97-AF65-F5344CB8AC3E}">
